--- a/ppt 16-9/0794.无困难的事.pptx
+++ b/ppt 16-9/0794.无困难的事.pptx
@@ -129,7 +129,7 @@
           <p:cNvPr id="2" name="标题 1">
             <a:extLst>
               <a:ext uri="{FF2B5EF4-FFF2-40B4-BE49-F238E27FC236}">
-                <a16:creationId xmlns:a16="http://schemas.microsoft.com/office/drawing/2014/main" id="{1DE5951C-B9E0-D6B9-A91C-98CE2BAB1601}"/>
+                <a16:creationId xmlns:a16="http://schemas.microsoft.com/office/drawing/2014/main" id="{668EBF27-FC5A-74D2-8B26-02344CD05422}"/>
               </a:ext>
             </a:extLst>
           </p:cNvPr>
@@ -166,7 +166,7 @@
           <p:cNvPr id="3" name="副标题 2">
             <a:extLst>
               <a:ext uri="{FF2B5EF4-FFF2-40B4-BE49-F238E27FC236}">
-                <a16:creationId xmlns:a16="http://schemas.microsoft.com/office/drawing/2014/main" id="{103EDC21-CB79-CECE-6011-313C115A4AF9}"/>
+                <a16:creationId xmlns:a16="http://schemas.microsoft.com/office/drawing/2014/main" id="{DA38221A-EE34-75D8-5DA5-244A4237E245}"/>
               </a:ext>
             </a:extLst>
           </p:cNvPr>
@@ -236,7 +236,7 @@
           <p:cNvPr id="4" name="日期占位符 3">
             <a:extLst>
               <a:ext uri="{FF2B5EF4-FFF2-40B4-BE49-F238E27FC236}">
-                <a16:creationId xmlns:a16="http://schemas.microsoft.com/office/drawing/2014/main" id="{C721ADA7-6BD1-B369-ADE1-BD56579D967D}"/>
+                <a16:creationId xmlns:a16="http://schemas.microsoft.com/office/drawing/2014/main" id="{F2AFF9F3-5B30-9C75-5B54-83927034D402}"/>
               </a:ext>
             </a:extLst>
           </p:cNvPr>
@@ -252,7 +252,7 @@
           <a:bodyPr/>
           <a:lstStyle/>
           <a:p>
-            <a:fld id="{C5506ED6-3FA1-4D3E-AA3E-DB710F6C042B}" type="datetimeFigureOut">
+            <a:fld id="{B5492F0F-8EB0-4DD4-AAEB-6057AFED3A92}" type="datetimeFigureOut">
               <a:rPr lang="zh-CN" altLang="en-US" smtClean="0"/>
               <a:t>2024/3/10</a:t>
             </a:fld>
@@ -265,7 +265,7 @@
           <p:cNvPr id="5" name="页脚占位符 4">
             <a:extLst>
               <a:ext uri="{FF2B5EF4-FFF2-40B4-BE49-F238E27FC236}">
-                <a16:creationId xmlns:a16="http://schemas.microsoft.com/office/drawing/2014/main" id="{29570526-8DF9-BCC5-F0C7-2F6F4716C811}"/>
+                <a16:creationId xmlns:a16="http://schemas.microsoft.com/office/drawing/2014/main" id="{4D2DD9B8-18A3-0F95-7D47-667BEB5EBF71}"/>
               </a:ext>
             </a:extLst>
           </p:cNvPr>
@@ -290,7 +290,7 @@
           <p:cNvPr id="6" name="灯片编号占位符 5">
             <a:extLst>
               <a:ext uri="{FF2B5EF4-FFF2-40B4-BE49-F238E27FC236}">
-                <a16:creationId xmlns:a16="http://schemas.microsoft.com/office/drawing/2014/main" id="{3829DC42-B177-4E51-F32D-313E3664280D}"/>
+                <a16:creationId xmlns:a16="http://schemas.microsoft.com/office/drawing/2014/main" id="{DEA358DB-01AE-A2CB-F512-1A67FD7C76B5}"/>
               </a:ext>
             </a:extLst>
           </p:cNvPr>
@@ -306,7 +306,7 @@
           <a:bodyPr/>
           <a:lstStyle/>
           <a:p>
-            <a:fld id="{BD9EB0DB-8AF1-4191-813C-F1F26B0C6EE2}" type="slidenum">
+            <a:fld id="{EF37230C-3AF2-4705-B70A-54527EA704A3}" type="slidenum">
               <a:rPr lang="zh-CN" altLang="en-US" smtClean="0"/>
               <a:t>‹#›</a:t>
             </a:fld>
@@ -317,7 +317,7 @@
     </p:spTree>
     <p:extLst>
       <p:ext uri="{BB962C8B-B14F-4D97-AF65-F5344CB8AC3E}">
-        <p14:creationId xmlns:p14="http://schemas.microsoft.com/office/powerpoint/2010/main" val="414711249"/>
+        <p14:creationId xmlns:p14="http://schemas.microsoft.com/office/powerpoint/2010/main" val="2331553064"/>
       </p:ext>
     </p:extLst>
   </p:cSld>
@@ -349,7 +349,7 @@
           <p:cNvPr id="2" name="标题 1">
             <a:extLst>
               <a:ext uri="{FF2B5EF4-FFF2-40B4-BE49-F238E27FC236}">
-                <a16:creationId xmlns:a16="http://schemas.microsoft.com/office/drawing/2014/main" id="{61A5CF35-E3E5-E0F4-E220-D8E9B2B6616D}"/>
+                <a16:creationId xmlns:a16="http://schemas.microsoft.com/office/drawing/2014/main" id="{3FA54EC9-58BD-AAB7-4DC1-1547C9754AED}"/>
               </a:ext>
             </a:extLst>
           </p:cNvPr>
@@ -377,7 +377,7 @@
           <p:cNvPr id="3" name="竖排文字占位符 2">
             <a:extLst>
               <a:ext uri="{FF2B5EF4-FFF2-40B4-BE49-F238E27FC236}">
-                <a16:creationId xmlns:a16="http://schemas.microsoft.com/office/drawing/2014/main" id="{74B68ED9-8F2D-1272-3E59-FC0B6B3EED44}"/>
+                <a16:creationId xmlns:a16="http://schemas.microsoft.com/office/drawing/2014/main" id="{3AD723D0-9AB3-24C6-8DA5-17E905E2BFD6}"/>
               </a:ext>
             </a:extLst>
           </p:cNvPr>
@@ -434,7 +434,7 @@
           <p:cNvPr id="4" name="日期占位符 3">
             <a:extLst>
               <a:ext uri="{FF2B5EF4-FFF2-40B4-BE49-F238E27FC236}">
-                <a16:creationId xmlns:a16="http://schemas.microsoft.com/office/drawing/2014/main" id="{90CE1E98-842E-5745-887D-4360D1077414}"/>
+                <a16:creationId xmlns:a16="http://schemas.microsoft.com/office/drawing/2014/main" id="{BD6F0990-77E4-C0E4-C3EC-0236DE653502}"/>
               </a:ext>
             </a:extLst>
           </p:cNvPr>
@@ -450,7 +450,7 @@
           <a:bodyPr/>
           <a:lstStyle/>
           <a:p>
-            <a:fld id="{C5506ED6-3FA1-4D3E-AA3E-DB710F6C042B}" type="datetimeFigureOut">
+            <a:fld id="{B5492F0F-8EB0-4DD4-AAEB-6057AFED3A92}" type="datetimeFigureOut">
               <a:rPr lang="zh-CN" altLang="en-US" smtClean="0"/>
               <a:t>2024/3/10</a:t>
             </a:fld>
@@ -463,7 +463,7 @@
           <p:cNvPr id="5" name="页脚占位符 4">
             <a:extLst>
               <a:ext uri="{FF2B5EF4-FFF2-40B4-BE49-F238E27FC236}">
-                <a16:creationId xmlns:a16="http://schemas.microsoft.com/office/drawing/2014/main" id="{864CB221-4EB1-34F1-A66F-6D68A472D3E1}"/>
+                <a16:creationId xmlns:a16="http://schemas.microsoft.com/office/drawing/2014/main" id="{7CD1E501-067F-5CE7-F8F6-820B27A84FB7}"/>
               </a:ext>
             </a:extLst>
           </p:cNvPr>
@@ -488,7 +488,7 @@
           <p:cNvPr id="6" name="灯片编号占位符 5">
             <a:extLst>
               <a:ext uri="{FF2B5EF4-FFF2-40B4-BE49-F238E27FC236}">
-                <a16:creationId xmlns:a16="http://schemas.microsoft.com/office/drawing/2014/main" id="{38B34152-1D77-760A-301E-B1DA1AE6BDB6}"/>
+                <a16:creationId xmlns:a16="http://schemas.microsoft.com/office/drawing/2014/main" id="{A1C71864-6413-D7CD-F1C1-69039B5CA0EF}"/>
               </a:ext>
             </a:extLst>
           </p:cNvPr>
@@ -504,7 +504,7 @@
           <a:bodyPr/>
           <a:lstStyle/>
           <a:p>
-            <a:fld id="{BD9EB0DB-8AF1-4191-813C-F1F26B0C6EE2}" type="slidenum">
+            <a:fld id="{EF37230C-3AF2-4705-B70A-54527EA704A3}" type="slidenum">
               <a:rPr lang="zh-CN" altLang="en-US" smtClean="0"/>
               <a:t>‹#›</a:t>
             </a:fld>
@@ -515,7 +515,7 @@
     </p:spTree>
     <p:extLst>
       <p:ext uri="{BB962C8B-B14F-4D97-AF65-F5344CB8AC3E}">
-        <p14:creationId xmlns:p14="http://schemas.microsoft.com/office/powerpoint/2010/main" val="1095846649"/>
+        <p14:creationId xmlns:p14="http://schemas.microsoft.com/office/powerpoint/2010/main" val="663528185"/>
       </p:ext>
     </p:extLst>
   </p:cSld>
@@ -547,7 +547,7 @@
           <p:cNvPr id="2" name="竖排标题 1">
             <a:extLst>
               <a:ext uri="{FF2B5EF4-FFF2-40B4-BE49-F238E27FC236}">
-                <a16:creationId xmlns:a16="http://schemas.microsoft.com/office/drawing/2014/main" id="{4D2E0E7B-7579-C53A-D9A3-5F82D332800C}"/>
+                <a16:creationId xmlns:a16="http://schemas.microsoft.com/office/drawing/2014/main" id="{7FE5FAE1-AC4F-808D-8F65-4C56CF647CF9}"/>
               </a:ext>
             </a:extLst>
           </p:cNvPr>
@@ -580,7 +580,7 @@
           <p:cNvPr id="3" name="竖排文字占位符 2">
             <a:extLst>
               <a:ext uri="{FF2B5EF4-FFF2-40B4-BE49-F238E27FC236}">
-                <a16:creationId xmlns:a16="http://schemas.microsoft.com/office/drawing/2014/main" id="{5A94B040-A065-B134-C257-669CFE860379}"/>
+                <a16:creationId xmlns:a16="http://schemas.microsoft.com/office/drawing/2014/main" id="{13D2B5AC-7D21-AC97-66A6-BF9197B09415}"/>
               </a:ext>
             </a:extLst>
           </p:cNvPr>
@@ -642,7 +642,7 @@
           <p:cNvPr id="4" name="日期占位符 3">
             <a:extLst>
               <a:ext uri="{FF2B5EF4-FFF2-40B4-BE49-F238E27FC236}">
-                <a16:creationId xmlns:a16="http://schemas.microsoft.com/office/drawing/2014/main" id="{D7CC6B5F-F245-EE9A-4572-1FF612B2A05A}"/>
+                <a16:creationId xmlns:a16="http://schemas.microsoft.com/office/drawing/2014/main" id="{D7CF6F74-5F7C-7C58-6E92-42AC9840395A}"/>
               </a:ext>
             </a:extLst>
           </p:cNvPr>
@@ -658,7 +658,7 @@
           <a:bodyPr/>
           <a:lstStyle/>
           <a:p>
-            <a:fld id="{C5506ED6-3FA1-4D3E-AA3E-DB710F6C042B}" type="datetimeFigureOut">
+            <a:fld id="{B5492F0F-8EB0-4DD4-AAEB-6057AFED3A92}" type="datetimeFigureOut">
               <a:rPr lang="zh-CN" altLang="en-US" smtClean="0"/>
               <a:t>2024/3/10</a:t>
             </a:fld>
@@ -671,7 +671,7 @@
           <p:cNvPr id="5" name="页脚占位符 4">
             <a:extLst>
               <a:ext uri="{FF2B5EF4-FFF2-40B4-BE49-F238E27FC236}">
-                <a16:creationId xmlns:a16="http://schemas.microsoft.com/office/drawing/2014/main" id="{621FF12C-DFFB-F708-8D7C-0629E1D79E1C}"/>
+                <a16:creationId xmlns:a16="http://schemas.microsoft.com/office/drawing/2014/main" id="{AFBC142B-ADB0-F692-5663-F1258BECBE3B}"/>
               </a:ext>
             </a:extLst>
           </p:cNvPr>
@@ -696,7 +696,7 @@
           <p:cNvPr id="6" name="灯片编号占位符 5">
             <a:extLst>
               <a:ext uri="{FF2B5EF4-FFF2-40B4-BE49-F238E27FC236}">
-                <a16:creationId xmlns:a16="http://schemas.microsoft.com/office/drawing/2014/main" id="{2CE63245-567B-8C80-E965-220B7C3B23B4}"/>
+                <a16:creationId xmlns:a16="http://schemas.microsoft.com/office/drawing/2014/main" id="{19CDBE59-F414-94F5-56BF-02E8352BE656}"/>
               </a:ext>
             </a:extLst>
           </p:cNvPr>
@@ -712,7 +712,7 @@
           <a:bodyPr/>
           <a:lstStyle/>
           <a:p>
-            <a:fld id="{BD9EB0DB-8AF1-4191-813C-F1F26B0C6EE2}" type="slidenum">
+            <a:fld id="{EF37230C-3AF2-4705-B70A-54527EA704A3}" type="slidenum">
               <a:rPr lang="zh-CN" altLang="en-US" smtClean="0"/>
               <a:t>‹#›</a:t>
             </a:fld>
@@ -723,7 +723,7 @@
     </p:spTree>
     <p:extLst>
       <p:ext uri="{BB962C8B-B14F-4D97-AF65-F5344CB8AC3E}">
-        <p14:creationId xmlns:p14="http://schemas.microsoft.com/office/powerpoint/2010/main" val="3344036413"/>
+        <p14:creationId xmlns:p14="http://schemas.microsoft.com/office/powerpoint/2010/main" val="3472580735"/>
       </p:ext>
     </p:extLst>
   </p:cSld>
@@ -755,7 +755,7 @@
           <p:cNvPr id="2" name="标题 1">
             <a:extLst>
               <a:ext uri="{FF2B5EF4-FFF2-40B4-BE49-F238E27FC236}">
-                <a16:creationId xmlns:a16="http://schemas.microsoft.com/office/drawing/2014/main" id="{8DB39BC4-5001-12C3-61F4-0B5C54952002}"/>
+                <a16:creationId xmlns:a16="http://schemas.microsoft.com/office/drawing/2014/main" id="{71E5E957-4069-5EE3-3FB4-16479E13668A}"/>
               </a:ext>
             </a:extLst>
           </p:cNvPr>
@@ -783,7 +783,7 @@
           <p:cNvPr id="3" name="内容占位符 2">
             <a:extLst>
               <a:ext uri="{FF2B5EF4-FFF2-40B4-BE49-F238E27FC236}">
-                <a16:creationId xmlns:a16="http://schemas.microsoft.com/office/drawing/2014/main" id="{E55FC1B7-1B3D-6EB8-5384-9C1627E1F8D6}"/>
+                <a16:creationId xmlns:a16="http://schemas.microsoft.com/office/drawing/2014/main" id="{0713DCE4-3562-BD4A-3B9A-43830A0EFC84}"/>
               </a:ext>
             </a:extLst>
           </p:cNvPr>
@@ -840,7 +840,7 @@
           <p:cNvPr id="4" name="日期占位符 3">
             <a:extLst>
               <a:ext uri="{FF2B5EF4-FFF2-40B4-BE49-F238E27FC236}">
-                <a16:creationId xmlns:a16="http://schemas.microsoft.com/office/drawing/2014/main" id="{D758C2E5-3B67-E14E-1309-94EF5E56A9DD}"/>
+                <a16:creationId xmlns:a16="http://schemas.microsoft.com/office/drawing/2014/main" id="{FF30FC4D-EB5E-5F02-AD21-3FD693D2C94D}"/>
               </a:ext>
             </a:extLst>
           </p:cNvPr>
@@ -856,7 +856,7 @@
           <a:bodyPr/>
           <a:lstStyle/>
           <a:p>
-            <a:fld id="{C5506ED6-3FA1-4D3E-AA3E-DB710F6C042B}" type="datetimeFigureOut">
+            <a:fld id="{B5492F0F-8EB0-4DD4-AAEB-6057AFED3A92}" type="datetimeFigureOut">
               <a:rPr lang="zh-CN" altLang="en-US" smtClean="0"/>
               <a:t>2024/3/10</a:t>
             </a:fld>
@@ -869,7 +869,7 @@
           <p:cNvPr id="5" name="页脚占位符 4">
             <a:extLst>
               <a:ext uri="{FF2B5EF4-FFF2-40B4-BE49-F238E27FC236}">
-                <a16:creationId xmlns:a16="http://schemas.microsoft.com/office/drawing/2014/main" id="{EC6437EE-1EE0-189F-283C-E0E5E22E8789}"/>
+                <a16:creationId xmlns:a16="http://schemas.microsoft.com/office/drawing/2014/main" id="{7AF631E1-1211-C439-2A72-10A58437C6C9}"/>
               </a:ext>
             </a:extLst>
           </p:cNvPr>
@@ -894,7 +894,7 @@
           <p:cNvPr id="6" name="灯片编号占位符 5">
             <a:extLst>
               <a:ext uri="{FF2B5EF4-FFF2-40B4-BE49-F238E27FC236}">
-                <a16:creationId xmlns:a16="http://schemas.microsoft.com/office/drawing/2014/main" id="{ED3B6C48-F80D-62CA-D951-AE8966B95063}"/>
+                <a16:creationId xmlns:a16="http://schemas.microsoft.com/office/drawing/2014/main" id="{D69E5A35-23F9-6462-CBFE-4F5820E1C05C}"/>
               </a:ext>
             </a:extLst>
           </p:cNvPr>
@@ -910,7 +910,7 @@
           <a:bodyPr/>
           <a:lstStyle/>
           <a:p>
-            <a:fld id="{BD9EB0DB-8AF1-4191-813C-F1F26B0C6EE2}" type="slidenum">
+            <a:fld id="{EF37230C-3AF2-4705-B70A-54527EA704A3}" type="slidenum">
               <a:rPr lang="zh-CN" altLang="en-US" smtClean="0"/>
               <a:t>‹#›</a:t>
             </a:fld>
@@ -921,7 +921,7 @@
     </p:spTree>
     <p:extLst>
       <p:ext uri="{BB962C8B-B14F-4D97-AF65-F5344CB8AC3E}">
-        <p14:creationId xmlns:p14="http://schemas.microsoft.com/office/powerpoint/2010/main" val="571212154"/>
+        <p14:creationId xmlns:p14="http://schemas.microsoft.com/office/powerpoint/2010/main" val="3904729920"/>
       </p:ext>
     </p:extLst>
   </p:cSld>
@@ -953,7 +953,7 @@
           <p:cNvPr id="2" name="标题 1">
             <a:extLst>
               <a:ext uri="{FF2B5EF4-FFF2-40B4-BE49-F238E27FC236}">
-                <a16:creationId xmlns:a16="http://schemas.microsoft.com/office/drawing/2014/main" id="{BC6ACBAD-39D4-3949-83D5-3B803789C7BD}"/>
+                <a16:creationId xmlns:a16="http://schemas.microsoft.com/office/drawing/2014/main" id="{0F4896AB-4F27-9580-FD90-B76661427AF2}"/>
               </a:ext>
             </a:extLst>
           </p:cNvPr>
@@ -990,7 +990,7 @@
           <p:cNvPr id="3" name="文本占位符 2">
             <a:extLst>
               <a:ext uri="{FF2B5EF4-FFF2-40B4-BE49-F238E27FC236}">
-                <a16:creationId xmlns:a16="http://schemas.microsoft.com/office/drawing/2014/main" id="{CBACA2DA-6F01-C5B4-9B3D-223A3936E063}"/>
+                <a16:creationId xmlns:a16="http://schemas.microsoft.com/office/drawing/2014/main" id="{F410B67D-0BC5-22BB-586D-8B42DF33C565}"/>
               </a:ext>
             </a:extLst>
           </p:cNvPr>
@@ -1115,7 +1115,7 @@
           <p:cNvPr id="4" name="日期占位符 3">
             <a:extLst>
               <a:ext uri="{FF2B5EF4-FFF2-40B4-BE49-F238E27FC236}">
-                <a16:creationId xmlns:a16="http://schemas.microsoft.com/office/drawing/2014/main" id="{430CE782-D8B1-B147-808F-32CD2A6EB795}"/>
+                <a16:creationId xmlns:a16="http://schemas.microsoft.com/office/drawing/2014/main" id="{6126542B-ADD4-D413-18E9-652DE98B14FE}"/>
               </a:ext>
             </a:extLst>
           </p:cNvPr>
@@ -1131,7 +1131,7 @@
           <a:bodyPr/>
           <a:lstStyle/>
           <a:p>
-            <a:fld id="{C5506ED6-3FA1-4D3E-AA3E-DB710F6C042B}" type="datetimeFigureOut">
+            <a:fld id="{B5492F0F-8EB0-4DD4-AAEB-6057AFED3A92}" type="datetimeFigureOut">
               <a:rPr lang="zh-CN" altLang="en-US" smtClean="0"/>
               <a:t>2024/3/10</a:t>
             </a:fld>
@@ -1144,7 +1144,7 @@
           <p:cNvPr id="5" name="页脚占位符 4">
             <a:extLst>
               <a:ext uri="{FF2B5EF4-FFF2-40B4-BE49-F238E27FC236}">
-                <a16:creationId xmlns:a16="http://schemas.microsoft.com/office/drawing/2014/main" id="{FBD480A8-8468-BE3D-1B0C-F71644FFFC81}"/>
+                <a16:creationId xmlns:a16="http://schemas.microsoft.com/office/drawing/2014/main" id="{D7AB8F6F-6E56-008E-7D66-021443EE01FF}"/>
               </a:ext>
             </a:extLst>
           </p:cNvPr>
@@ -1169,7 +1169,7 @@
           <p:cNvPr id="6" name="灯片编号占位符 5">
             <a:extLst>
               <a:ext uri="{FF2B5EF4-FFF2-40B4-BE49-F238E27FC236}">
-                <a16:creationId xmlns:a16="http://schemas.microsoft.com/office/drawing/2014/main" id="{10706788-E4B8-B20A-B74F-D5B3A24D4FA1}"/>
+                <a16:creationId xmlns:a16="http://schemas.microsoft.com/office/drawing/2014/main" id="{A5D357D8-93AF-0F13-A40C-C1A155A370FD}"/>
               </a:ext>
             </a:extLst>
           </p:cNvPr>
@@ -1185,7 +1185,7 @@
           <a:bodyPr/>
           <a:lstStyle/>
           <a:p>
-            <a:fld id="{BD9EB0DB-8AF1-4191-813C-F1F26B0C6EE2}" type="slidenum">
+            <a:fld id="{EF37230C-3AF2-4705-B70A-54527EA704A3}" type="slidenum">
               <a:rPr lang="zh-CN" altLang="en-US" smtClean="0"/>
               <a:t>‹#›</a:t>
             </a:fld>
@@ -1196,7 +1196,7 @@
     </p:spTree>
     <p:extLst>
       <p:ext uri="{BB962C8B-B14F-4D97-AF65-F5344CB8AC3E}">
-        <p14:creationId xmlns:p14="http://schemas.microsoft.com/office/powerpoint/2010/main" val="2784600494"/>
+        <p14:creationId xmlns:p14="http://schemas.microsoft.com/office/powerpoint/2010/main" val="1175759079"/>
       </p:ext>
     </p:extLst>
   </p:cSld>
@@ -1228,7 +1228,7 @@
           <p:cNvPr id="2" name="标题 1">
             <a:extLst>
               <a:ext uri="{FF2B5EF4-FFF2-40B4-BE49-F238E27FC236}">
-                <a16:creationId xmlns:a16="http://schemas.microsoft.com/office/drawing/2014/main" id="{692F1028-3669-FC95-3997-861DC7681684}"/>
+                <a16:creationId xmlns:a16="http://schemas.microsoft.com/office/drawing/2014/main" id="{4F4A191F-442A-7AAE-284F-835FAAC2764E}"/>
               </a:ext>
             </a:extLst>
           </p:cNvPr>
@@ -1256,7 +1256,7 @@
           <p:cNvPr id="3" name="内容占位符 2">
             <a:extLst>
               <a:ext uri="{FF2B5EF4-FFF2-40B4-BE49-F238E27FC236}">
-                <a16:creationId xmlns:a16="http://schemas.microsoft.com/office/drawing/2014/main" id="{066836EA-282F-6453-1339-CFD069D4AF9F}"/>
+                <a16:creationId xmlns:a16="http://schemas.microsoft.com/office/drawing/2014/main" id="{E957528A-6047-DD85-8453-AB2BE4FB75D6}"/>
               </a:ext>
             </a:extLst>
           </p:cNvPr>
@@ -1318,7 +1318,7 @@
           <p:cNvPr id="4" name="内容占位符 3">
             <a:extLst>
               <a:ext uri="{FF2B5EF4-FFF2-40B4-BE49-F238E27FC236}">
-                <a16:creationId xmlns:a16="http://schemas.microsoft.com/office/drawing/2014/main" id="{5DF6C33C-E94E-700C-B723-9034AD5DB3F1}"/>
+                <a16:creationId xmlns:a16="http://schemas.microsoft.com/office/drawing/2014/main" id="{C1BD3CB0-81E0-21C3-5E4D-6FB0F861F848}"/>
               </a:ext>
             </a:extLst>
           </p:cNvPr>
@@ -1380,7 +1380,7 @@
           <p:cNvPr id="5" name="日期占位符 4">
             <a:extLst>
               <a:ext uri="{FF2B5EF4-FFF2-40B4-BE49-F238E27FC236}">
-                <a16:creationId xmlns:a16="http://schemas.microsoft.com/office/drawing/2014/main" id="{A22B0838-C0DD-DDF0-A357-192F032E7F21}"/>
+                <a16:creationId xmlns:a16="http://schemas.microsoft.com/office/drawing/2014/main" id="{CE25E364-A258-8AB0-6743-E6469E1DFB98}"/>
               </a:ext>
             </a:extLst>
           </p:cNvPr>
@@ -1396,7 +1396,7 @@
           <a:bodyPr/>
           <a:lstStyle/>
           <a:p>
-            <a:fld id="{C5506ED6-3FA1-4D3E-AA3E-DB710F6C042B}" type="datetimeFigureOut">
+            <a:fld id="{B5492F0F-8EB0-4DD4-AAEB-6057AFED3A92}" type="datetimeFigureOut">
               <a:rPr lang="zh-CN" altLang="en-US" smtClean="0"/>
               <a:t>2024/3/10</a:t>
             </a:fld>
@@ -1409,7 +1409,7 @@
           <p:cNvPr id="6" name="页脚占位符 5">
             <a:extLst>
               <a:ext uri="{FF2B5EF4-FFF2-40B4-BE49-F238E27FC236}">
-                <a16:creationId xmlns:a16="http://schemas.microsoft.com/office/drawing/2014/main" id="{444B6474-AD76-0EB1-4BD5-F4A07B23AB0E}"/>
+                <a16:creationId xmlns:a16="http://schemas.microsoft.com/office/drawing/2014/main" id="{42F74E89-3B0B-30AD-E9D1-87B60FF84722}"/>
               </a:ext>
             </a:extLst>
           </p:cNvPr>
@@ -1434,7 +1434,7 @@
           <p:cNvPr id="7" name="灯片编号占位符 6">
             <a:extLst>
               <a:ext uri="{FF2B5EF4-FFF2-40B4-BE49-F238E27FC236}">
-                <a16:creationId xmlns:a16="http://schemas.microsoft.com/office/drawing/2014/main" id="{D5F12DA1-96EB-72C7-823B-FC4F22A5B27E}"/>
+                <a16:creationId xmlns:a16="http://schemas.microsoft.com/office/drawing/2014/main" id="{B9A1FF0C-3D73-8AB5-96E4-D416445973AF}"/>
               </a:ext>
             </a:extLst>
           </p:cNvPr>
@@ -1450,7 +1450,7 @@
           <a:bodyPr/>
           <a:lstStyle/>
           <a:p>
-            <a:fld id="{BD9EB0DB-8AF1-4191-813C-F1F26B0C6EE2}" type="slidenum">
+            <a:fld id="{EF37230C-3AF2-4705-B70A-54527EA704A3}" type="slidenum">
               <a:rPr lang="zh-CN" altLang="en-US" smtClean="0"/>
               <a:t>‹#›</a:t>
             </a:fld>
@@ -1461,7 +1461,7 @@
     </p:spTree>
     <p:extLst>
       <p:ext uri="{BB962C8B-B14F-4D97-AF65-F5344CB8AC3E}">
-        <p14:creationId xmlns:p14="http://schemas.microsoft.com/office/powerpoint/2010/main" val="2520791661"/>
+        <p14:creationId xmlns:p14="http://schemas.microsoft.com/office/powerpoint/2010/main" val="2969052174"/>
       </p:ext>
     </p:extLst>
   </p:cSld>
@@ -1493,7 +1493,7 @@
           <p:cNvPr id="2" name="标题 1">
             <a:extLst>
               <a:ext uri="{FF2B5EF4-FFF2-40B4-BE49-F238E27FC236}">
-                <a16:creationId xmlns:a16="http://schemas.microsoft.com/office/drawing/2014/main" id="{BF2B7498-BF09-C878-6EB2-FCC452576432}"/>
+                <a16:creationId xmlns:a16="http://schemas.microsoft.com/office/drawing/2014/main" id="{9E68109D-517C-8D08-2BBF-16F3E49D02A3}"/>
               </a:ext>
             </a:extLst>
           </p:cNvPr>
@@ -1526,7 +1526,7 @@
           <p:cNvPr id="3" name="文本占位符 2">
             <a:extLst>
               <a:ext uri="{FF2B5EF4-FFF2-40B4-BE49-F238E27FC236}">
-                <a16:creationId xmlns:a16="http://schemas.microsoft.com/office/drawing/2014/main" id="{CF0AFE56-2619-0F36-CB1F-34D74F46ACDF}"/>
+                <a16:creationId xmlns:a16="http://schemas.microsoft.com/office/drawing/2014/main" id="{B3F2D462-188D-67D5-CBE2-A6C301C939AF}"/>
               </a:ext>
             </a:extLst>
           </p:cNvPr>
@@ -1597,7 +1597,7 @@
           <p:cNvPr id="4" name="内容占位符 3">
             <a:extLst>
               <a:ext uri="{FF2B5EF4-FFF2-40B4-BE49-F238E27FC236}">
-                <a16:creationId xmlns:a16="http://schemas.microsoft.com/office/drawing/2014/main" id="{63BB2200-D300-9D77-AC24-256E75C74F85}"/>
+                <a16:creationId xmlns:a16="http://schemas.microsoft.com/office/drawing/2014/main" id="{4EFD0504-AF72-0387-7CC0-F9F8828C0EB6}"/>
               </a:ext>
             </a:extLst>
           </p:cNvPr>
@@ -1659,7 +1659,7 @@
           <p:cNvPr id="5" name="文本占位符 4">
             <a:extLst>
               <a:ext uri="{FF2B5EF4-FFF2-40B4-BE49-F238E27FC236}">
-                <a16:creationId xmlns:a16="http://schemas.microsoft.com/office/drawing/2014/main" id="{AA1F93EA-7C15-C570-3F5D-13582532B12E}"/>
+                <a16:creationId xmlns:a16="http://schemas.microsoft.com/office/drawing/2014/main" id="{D5EAF8E5-7DFF-C9B3-0CD7-CD86201E123D}"/>
               </a:ext>
             </a:extLst>
           </p:cNvPr>
@@ -1730,7 +1730,7 @@
           <p:cNvPr id="6" name="内容占位符 5">
             <a:extLst>
               <a:ext uri="{FF2B5EF4-FFF2-40B4-BE49-F238E27FC236}">
-                <a16:creationId xmlns:a16="http://schemas.microsoft.com/office/drawing/2014/main" id="{9E9D6F5C-9CD4-50B4-853C-7A0D38B4D120}"/>
+                <a16:creationId xmlns:a16="http://schemas.microsoft.com/office/drawing/2014/main" id="{3412F36E-FF25-15E3-4784-517242A17DC3}"/>
               </a:ext>
             </a:extLst>
           </p:cNvPr>
@@ -1792,7 +1792,7 @@
           <p:cNvPr id="7" name="日期占位符 6">
             <a:extLst>
               <a:ext uri="{FF2B5EF4-FFF2-40B4-BE49-F238E27FC236}">
-                <a16:creationId xmlns:a16="http://schemas.microsoft.com/office/drawing/2014/main" id="{ED1BD9A7-7E45-23C6-E191-E6794051BE29}"/>
+                <a16:creationId xmlns:a16="http://schemas.microsoft.com/office/drawing/2014/main" id="{F8A1D238-28AF-DEDF-DEDD-01D258E48EBC}"/>
               </a:ext>
             </a:extLst>
           </p:cNvPr>
@@ -1808,7 +1808,7 @@
           <a:bodyPr/>
           <a:lstStyle/>
           <a:p>
-            <a:fld id="{C5506ED6-3FA1-4D3E-AA3E-DB710F6C042B}" type="datetimeFigureOut">
+            <a:fld id="{B5492F0F-8EB0-4DD4-AAEB-6057AFED3A92}" type="datetimeFigureOut">
               <a:rPr lang="zh-CN" altLang="en-US" smtClean="0"/>
               <a:t>2024/3/10</a:t>
             </a:fld>
@@ -1821,7 +1821,7 @@
           <p:cNvPr id="8" name="页脚占位符 7">
             <a:extLst>
               <a:ext uri="{FF2B5EF4-FFF2-40B4-BE49-F238E27FC236}">
-                <a16:creationId xmlns:a16="http://schemas.microsoft.com/office/drawing/2014/main" id="{B43D2750-8C34-A9F5-7F18-D4ABCA7AD93E}"/>
+                <a16:creationId xmlns:a16="http://schemas.microsoft.com/office/drawing/2014/main" id="{CE14DADF-2780-A8EC-F6B4-C926EF1A7B32}"/>
               </a:ext>
             </a:extLst>
           </p:cNvPr>
@@ -1846,7 +1846,7 @@
           <p:cNvPr id="9" name="灯片编号占位符 8">
             <a:extLst>
               <a:ext uri="{FF2B5EF4-FFF2-40B4-BE49-F238E27FC236}">
-                <a16:creationId xmlns:a16="http://schemas.microsoft.com/office/drawing/2014/main" id="{5825A1EA-89D5-F9BB-1189-2957628898DF}"/>
+                <a16:creationId xmlns:a16="http://schemas.microsoft.com/office/drawing/2014/main" id="{50F7FB14-F6E0-BA77-B693-704BFA42D1AE}"/>
               </a:ext>
             </a:extLst>
           </p:cNvPr>
@@ -1862,7 +1862,7 @@
           <a:bodyPr/>
           <a:lstStyle/>
           <a:p>
-            <a:fld id="{BD9EB0DB-8AF1-4191-813C-F1F26B0C6EE2}" type="slidenum">
+            <a:fld id="{EF37230C-3AF2-4705-B70A-54527EA704A3}" type="slidenum">
               <a:rPr lang="zh-CN" altLang="en-US" smtClean="0"/>
               <a:t>‹#›</a:t>
             </a:fld>
@@ -1873,7 +1873,7 @@
     </p:spTree>
     <p:extLst>
       <p:ext uri="{BB962C8B-B14F-4D97-AF65-F5344CB8AC3E}">
-        <p14:creationId xmlns:p14="http://schemas.microsoft.com/office/powerpoint/2010/main" val="2675069039"/>
+        <p14:creationId xmlns:p14="http://schemas.microsoft.com/office/powerpoint/2010/main" val="1116263972"/>
       </p:ext>
     </p:extLst>
   </p:cSld>
@@ -1905,7 +1905,7 @@
           <p:cNvPr id="2" name="标题 1">
             <a:extLst>
               <a:ext uri="{FF2B5EF4-FFF2-40B4-BE49-F238E27FC236}">
-                <a16:creationId xmlns:a16="http://schemas.microsoft.com/office/drawing/2014/main" id="{15EBA0D3-3E77-1FE8-A497-59A970C5E94B}"/>
+                <a16:creationId xmlns:a16="http://schemas.microsoft.com/office/drawing/2014/main" id="{AADDF741-10E2-5B70-BC93-072917ADC888}"/>
               </a:ext>
             </a:extLst>
           </p:cNvPr>
@@ -1933,7 +1933,7 @@
           <p:cNvPr id="3" name="日期占位符 2">
             <a:extLst>
               <a:ext uri="{FF2B5EF4-FFF2-40B4-BE49-F238E27FC236}">
-                <a16:creationId xmlns:a16="http://schemas.microsoft.com/office/drawing/2014/main" id="{76CD4008-1DC6-059F-59AF-E3DC8F919481}"/>
+                <a16:creationId xmlns:a16="http://schemas.microsoft.com/office/drawing/2014/main" id="{89C579AA-6D70-86AA-CB25-FA61AD5912A6}"/>
               </a:ext>
             </a:extLst>
           </p:cNvPr>
@@ -1949,7 +1949,7 @@
           <a:bodyPr/>
           <a:lstStyle/>
           <a:p>
-            <a:fld id="{C5506ED6-3FA1-4D3E-AA3E-DB710F6C042B}" type="datetimeFigureOut">
+            <a:fld id="{B5492F0F-8EB0-4DD4-AAEB-6057AFED3A92}" type="datetimeFigureOut">
               <a:rPr lang="zh-CN" altLang="en-US" smtClean="0"/>
               <a:t>2024/3/10</a:t>
             </a:fld>
@@ -1962,7 +1962,7 @@
           <p:cNvPr id="4" name="页脚占位符 3">
             <a:extLst>
               <a:ext uri="{FF2B5EF4-FFF2-40B4-BE49-F238E27FC236}">
-                <a16:creationId xmlns:a16="http://schemas.microsoft.com/office/drawing/2014/main" id="{6324E282-3115-9B10-D1BB-7465872831AD}"/>
+                <a16:creationId xmlns:a16="http://schemas.microsoft.com/office/drawing/2014/main" id="{DD28BF51-14A8-0438-96AA-F9C403934273}"/>
               </a:ext>
             </a:extLst>
           </p:cNvPr>
@@ -1987,7 +1987,7 @@
           <p:cNvPr id="5" name="灯片编号占位符 4">
             <a:extLst>
               <a:ext uri="{FF2B5EF4-FFF2-40B4-BE49-F238E27FC236}">
-                <a16:creationId xmlns:a16="http://schemas.microsoft.com/office/drawing/2014/main" id="{2DB9B3FD-B101-D2FB-DC01-4B61EF23C851}"/>
+                <a16:creationId xmlns:a16="http://schemas.microsoft.com/office/drawing/2014/main" id="{D6EDA400-F1C8-FF2D-000F-BBFAE92A7763}"/>
               </a:ext>
             </a:extLst>
           </p:cNvPr>
@@ -2003,7 +2003,7 @@
           <a:bodyPr/>
           <a:lstStyle/>
           <a:p>
-            <a:fld id="{BD9EB0DB-8AF1-4191-813C-F1F26B0C6EE2}" type="slidenum">
+            <a:fld id="{EF37230C-3AF2-4705-B70A-54527EA704A3}" type="slidenum">
               <a:rPr lang="zh-CN" altLang="en-US" smtClean="0"/>
               <a:t>‹#›</a:t>
             </a:fld>
@@ -2014,7 +2014,7 @@
     </p:spTree>
     <p:extLst>
       <p:ext uri="{BB962C8B-B14F-4D97-AF65-F5344CB8AC3E}">
-        <p14:creationId xmlns:p14="http://schemas.microsoft.com/office/powerpoint/2010/main" val="1017572249"/>
+        <p14:creationId xmlns:p14="http://schemas.microsoft.com/office/powerpoint/2010/main" val="1496815774"/>
       </p:ext>
     </p:extLst>
   </p:cSld>
@@ -2046,7 +2046,7 @@
           <p:cNvPr id="2" name="日期占位符 1">
             <a:extLst>
               <a:ext uri="{FF2B5EF4-FFF2-40B4-BE49-F238E27FC236}">
-                <a16:creationId xmlns:a16="http://schemas.microsoft.com/office/drawing/2014/main" id="{AC6B68A7-EAF7-1941-78C3-782DED0EA8B4}"/>
+                <a16:creationId xmlns:a16="http://schemas.microsoft.com/office/drawing/2014/main" id="{D35ED4C2-491E-4467-5ABF-BA7535FC15CF}"/>
               </a:ext>
             </a:extLst>
           </p:cNvPr>
@@ -2062,7 +2062,7 @@
           <a:bodyPr/>
           <a:lstStyle/>
           <a:p>
-            <a:fld id="{C5506ED6-3FA1-4D3E-AA3E-DB710F6C042B}" type="datetimeFigureOut">
+            <a:fld id="{B5492F0F-8EB0-4DD4-AAEB-6057AFED3A92}" type="datetimeFigureOut">
               <a:rPr lang="zh-CN" altLang="en-US" smtClean="0"/>
               <a:t>2024/3/10</a:t>
             </a:fld>
@@ -2075,7 +2075,7 @@
           <p:cNvPr id="3" name="页脚占位符 2">
             <a:extLst>
               <a:ext uri="{FF2B5EF4-FFF2-40B4-BE49-F238E27FC236}">
-                <a16:creationId xmlns:a16="http://schemas.microsoft.com/office/drawing/2014/main" id="{CC87AB79-E8CC-226A-37E5-297FEBB0CDB8}"/>
+                <a16:creationId xmlns:a16="http://schemas.microsoft.com/office/drawing/2014/main" id="{A1426D06-F2E4-B88D-A3BA-39DDF4507F8E}"/>
               </a:ext>
             </a:extLst>
           </p:cNvPr>
@@ -2100,7 +2100,7 @@
           <p:cNvPr id="4" name="灯片编号占位符 3">
             <a:extLst>
               <a:ext uri="{FF2B5EF4-FFF2-40B4-BE49-F238E27FC236}">
-                <a16:creationId xmlns:a16="http://schemas.microsoft.com/office/drawing/2014/main" id="{5C701AD7-4013-9DE6-2CC8-FB253B12DAF8}"/>
+                <a16:creationId xmlns:a16="http://schemas.microsoft.com/office/drawing/2014/main" id="{DA274D11-BF49-E65B-894F-C775C8F46B06}"/>
               </a:ext>
             </a:extLst>
           </p:cNvPr>
@@ -2116,7 +2116,7 @@
           <a:bodyPr/>
           <a:lstStyle/>
           <a:p>
-            <a:fld id="{BD9EB0DB-8AF1-4191-813C-F1F26B0C6EE2}" type="slidenum">
+            <a:fld id="{EF37230C-3AF2-4705-B70A-54527EA704A3}" type="slidenum">
               <a:rPr lang="zh-CN" altLang="en-US" smtClean="0"/>
               <a:t>‹#›</a:t>
             </a:fld>
@@ -2127,7 +2127,7 @@
     </p:spTree>
     <p:extLst>
       <p:ext uri="{BB962C8B-B14F-4D97-AF65-F5344CB8AC3E}">
-        <p14:creationId xmlns:p14="http://schemas.microsoft.com/office/powerpoint/2010/main" val="2458836699"/>
+        <p14:creationId xmlns:p14="http://schemas.microsoft.com/office/powerpoint/2010/main" val="396127143"/>
       </p:ext>
     </p:extLst>
   </p:cSld>
@@ -2159,7 +2159,7 @@
           <p:cNvPr id="2" name="标题 1">
             <a:extLst>
               <a:ext uri="{FF2B5EF4-FFF2-40B4-BE49-F238E27FC236}">
-                <a16:creationId xmlns:a16="http://schemas.microsoft.com/office/drawing/2014/main" id="{88966BEE-C8C1-A428-3C97-40998905396E}"/>
+                <a16:creationId xmlns:a16="http://schemas.microsoft.com/office/drawing/2014/main" id="{23535133-A337-97CD-329E-CD94C2F55225}"/>
               </a:ext>
             </a:extLst>
           </p:cNvPr>
@@ -2196,7 +2196,7 @@
           <p:cNvPr id="3" name="内容占位符 2">
             <a:extLst>
               <a:ext uri="{FF2B5EF4-FFF2-40B4-BE49-F238E27FC236}">
-                <a16:creationId xmlns:a16="http://schemas.microsoft.com/office/drawing/2014/main" id="{A9ED535B-5408-BFBF-A5C2-D08C0B8BD316}"/>
+                <a16:creationId xmlns:a16="http://schemas.microsoft.com/office/drawing/2014/main" id="{CB0CEFDF-2EC9-3053-8D25-F78487ABAA92}"/>
               </a:ext>
             </a:extLst>
           </p:cNvPr>
@@ -2286,7 +2286,7 @@
           <p:cNvPr id="4" name="文本占位符 3">
             <a:extLst>
               <a:ext uri="{FF2B5EF4-FFF2-40B4-BE49-F238E27FC236}">
-                <a16:creationId xmlns:a16="http://schemas.microsoft.com/office/drawing/2014/main" id="{2BF6B9D7-FD50-82ED-AF53-B41637EC622A}"/>
+                <a16:creationId xmlns:a16="http://schemas.microsoft.com/office/drawing/2014/main" id="{2C544DA5-F993-C34E-02F3-F6284E7334A0}"/>
               </a:ext>
             </a:extLst>
           </p:cNvPr>
@@ -2357,7 +2357,7 @@
           <p:cNvPr id="5" name="日期占位符 4">
             <a:extLst>
               <a:ext uri="{FF2B5EF4-FFF2-40B4-BE49-F238E27FC236}">
-                <a16:creationId xmlns:a16="http://schemas.microsoft.com/office/drawing/2014/main" id="{5242D3B8-512B-70F8-93F0-B24EFA273C19}"/>
+                <a16:creationId xmlns:a16="http://schemas.microsoft.com/office/drawing/2014/main" id="{63B807BA-E084-F83D-FBDD-2E58ED8D8614}"/>
               </a:ext>
             </a:extLst>
           </p:cNvPr>
@@ -2373,7 +2373,7 @@
           <a:bodyPr/>
           <a:lstStyle/>
           <a:p>
-            <a:fld id="{C5506ED6-3FA1-4D3E-AA3E-DB710F6C042B}" type="datetimeFigureOut">
+            <a:fld id="{B5492F0F-8EB0-4DD4-AAEB-6057AFED3A92}" type="datetimeFigureOut">
               <a:rPr lang="zh-CN" altLang="en-US" smtClean="0"/>
               <a:t>2024/3/10</a:t>
             </a:fld>
@@ -2386,7 +2386,7 @@
           <p:cNvPr id="6" name="页脚占位符 5">
             <a:extLst>
               <a:ext uri="{FF2B5EF4-FFF2-40B4-BE49-F238E27FC236}">
-                <a16:creationId xmlns:a16="http://schemas.microsoft.com/office/drawing/2014/main" id="{4B27BF58-2673-97EC-41D9-F426A3A77FC7}"/>
+                <a16:creationId xmlns:a16="http://schemas.microsoft.com/office/drawing/2014/main" id="{25D4FA05-BF0D-3656-A3B4-1363377DD4CA}"/>
               </a:ext>
             </a:extLst>
           </p:cNvPr>
@@ -2411,7 +2411,7 @@
           <p:cNvPr id="7" name="灯片编号占位符 6">
             <a:extLst>
               <a:ext uri="{FF2B5EF4-FFF2-40B4-BE49-F238E27FC236}">
-                <a16:creationId xmlns:a16="http://schemas.microsoft.com/office/drawing/2014/main" id="{61ED00BF-E384-D6B9-A1A8-166F986E83F2}"/>
+                <a16:creationId xmlns:a16="http://schemas.microsoft.com/office/drawing/2014/main" id="{81915250-94A6-C245-33B9-08C6FF448109}"/>
               </a:ext>
             </a:extLst>
           </p:cNvPr>
@@ -2427,7 +2427,7 @@
           <a:bodyPr/>
           <a:lstStyle/>
           <a:p>
-            <a:fld id="{BD9EB0DB-8AF1-4191-813C-F1F26B0C6EE2}" type="slidenum">
+            <a:fld id="{EF37230C-3AF2-4705-B70A-54527EA704A3}" type="slidenum">
               <a:rPr lang="zh-CN" altLang="en-US" smtClean="0"/>
               <a:t>‹#›</a:t>
             </a:fld>
@@ -2438,7 +2438,7 @@
     </p:spTree>
     <p:extLst>
       <p:ext uri="{BB962C8B-B14F-4D97-AF65-F5344CB8AC3E}">
-        <p14:creationId xmlns:p14="http://schemas.microsoft.com/office/powerpoint/2010/main" val="2275407542"/>
+        <p14:creationId xmlns:p14="http://schemas.microsoft.com/office/powerpoint/2010/main" val="3707130073"/>
       </p:ext>
     </p:extLst>
   </p:cSld>
@@ -2470,7 +2470,7 @@
           <p:cNvPr id="2" name="标题 1">
             <a:extLst>
               <a:ext uri="{FF2B5EF4-FFF2-40B4-BE49-F238E27FC236}">
-                <a16:creationId xmlns:a16="http://schemas.microsoft.com/office/drawing/2014/main" id="{D65A3266-2F78-1FBE-AD6E-616125E44EFB}"/>
+                <a16:creationId xmlns:a16="http://schemas.microsoft.com/office/drawing/2014/main" id="{A79345AC-C5EB-50CC-90E5-2B53C380FB4E}"/>
               </a:ext>
             </a:extLst>
           </p:cNvPr>
@@ -2507,7 +2507,7 @@
           <p:cNvPr id="3" name="图片占位符 2">
             <a:extLst>
               <a:ext uri="{FF2B5EF4-FFF2-40B4-BE49-F238E27FC236}">
-                <a16:creationId xmlns:a16="http://schemas.microsoft.com/office/drawing/2014/main" id="{F390BFC9-DA3F-FB20-26FF-7542342C3F3C}"/>
+                <a16:creationId xmlns:a16="http://schemas.microsoft.com/office/drawing/2014/main" id="{209036F0-408F-77AF-2576-9471EB66DCB7}"/>
               </a:ext>
             </a:extLst>
           </p:cNvPr>
@@ -2574,7 +2574,7 @@
           <p:cNvPr id="4" name="文本占位符 3">
             <a:extLst>
               <a:ext uri="{FF2B5EF4-FFF2-40B4-BE49-F238E27FC236}">
-                <a16:creationId xmlns:a16="http://schemas.microsoft.com/office/drawing/2014/main" id="{5EDBFC67-F22E-8694-A331-F2BD04A8A9D8}"/>
+                <a16:creationId xmlns:a16="http://schemas.microsoft.com/office/drawing/2014/main" id="{FA8A5AE8-2CF0-7E27-8C43-51D3EE0FEBF7}"/>
               </a:ext>
             </a:extLst>
           </p:cNvPr>
@@ -2645,7 +2645,7 @@
           <p:cNvPr id="5" name="日期占位符 4">
             <a:extLst>
               <a:ext uri="{FF2B5EF4-FFF2-40B4-BE49-F238E27FC236}">
-                <a16:creationId xmlns:a16="http://schemas.microsoft.com/office/drawing/2014/main" id="{F02CA18D-FE96-FE50-2A4C-27234666F7F2}"/>
+                <a16:creationId xmlns:a16="http://schemas.microsoft.com/office/drawing/2014/main" id="{40E2AC4C-D39E-5C00-1A3F-989A3ECBC003}"/>
               </a:ext>
             </a:extLst>
           </p:cNvPr>
@@ -2661,7 +2661,7 @@
           <a:bodyPr/>
           <a:lstStyle/>
           <a:p>
-            <a:fld id="{C5506ED6-3FA1-4D3E-AA3E-DB710F6C042B}" type="datetimeFigureOut">
+            <a:fld id="{B5492F0F-8EB0-4DD4-AAEB-6057AFED3A92}" type="datetimeFigureOut">
               <a:rPr lang="zh-CN" altLang="en-US" smtClean="0"/>
               <a:t>2024/3/10</a:t>
             </a:fld>
@@ -2674,7 +2674,7 @@
           <p:cNvPr id="6" name="页脚占位符 5">
             <a:extLst>
               <a:ext uri="{FF2B5EF4-FFF2-40B4-BE49-F238E27FC236}">
-                <a16:creationId xmlns:a16="http://schemas.microsoft.com/office/drawing/2014/main" id="{173EFBF2-85BE-13E8-22AF-E0AC4CBCC72A}"/>
+                <a16:creationId xmlns:a16="http://schemas.microsoft.com/office/drawing/2014/main" id="{168D3312-0982-4989-53DC-06EC9EC17832}"/>
               </a:ext>
             </a:extLst>
           </p:cNvPr>
@@ -2699,7 +2699,7 @@
           <p:cNvPr id="7" name="灯片编号占位符 6">
             <a:extLst>
               <a:ext uri="{FF2B5EF4-FFF2-40B4-BE49-F238E27FC236}">
-                <a16:creationId xmlns:a16="http://schemas.microsoft.com/office/drawing/2014/main" id="{602C7FB4-DAFE-1F85-0B40-108FA446666E}"/>
+                <a16:creationId xmlns:a16="http://schemas.microsoft.com/office/drawing/2014/main" id="{78F2DA0B-089A-52DC-E104-CC1E4D594E9A}"/>
               </a:ext>
             </a:extLst>
           </p:cNvPr>
@@ -2715,7 +2715,7 @@
           <a:bodyPr/>
           <a:lstStyle/>
           <a:p>
-            <a:fld id="{BD9EB0DB-8AF1-4191-813C-F1F26B0C6EE2}" type="slidenum">
+            <a:fld id="{EF37230C-3AF2-4705-B70A-54527EA704A3}" type="slidenum">
               <a:rPr lang="zh-CN" altLang="en-US" smtClean="0"/>
               <a:t>‹#›</a:t>
             </a:fld>
@@ -2726,7 +2726,7 @@
     </p:spTree>
     <p:extLst>
       <p:ext uri="{BB962C8B-B14F-4D97-AF65-F5344CB8AC3E}">
-        <p14:creationId xmlns:p14="http://schemas.microsoft.com/office/powerpoint/2010/main" val="3666358578"/>
+        <p14:creationId xmlns:p14="http://schemas.microsoft.com/office/powerpoint/2010/main" val="1093144726"/>
       </p:ext>
     </p:extLst>
   </p:cSld>
@@ -2763,7 +2763,7 @@
           <p:cNvPr id="2" name="标题占位符 1">
             <a:extLst>
               <a:ext uri="{FF2B5EF4-FFF2-40B4-BE49-F238E27FC236}">
-                <a16:creationId xmlns:a16="http://schemas.microsoft.com/office/drawing/2014/main" id="{0033BBF8-FB16-D974-F16E-FE84BA73353C}"/>
+                <a16:creationId xmlns:a16="http://schemas.microsoft.com/office/drawing/2014/main" id="{11770AFF-41DF-3376-A857-10853E37493C}"/>
               </a:ext>
             </a:extLst>
           </p:cNvPr>
@@ -2801,7 +2801,7 @@
           <p:cNvPr id="3" name="文本占位符 2">
             <a:extLst>
               <a:ext uri="{FF2B5EF4-FFF2-40B4-BE49-F238E27FC236}">
-                <a16:creationId xmlns:a16="http://schemas.microsoft.com/office/drawing/2014/main" id="{D051F8F0-B118-C18A-82F8-92F7DBEA31D0}"/>
+                <a16:creationId xmlns:a16="http://schemas.microsoft.com/office/drawing/2014/main" id="{FD1AFA4E-6E79-1563-FECC-0E35762F4199}"/>
               </a:ext>
             </a:extLst>
           </p:cNvPr>
@@ -2868,7 +2868,7 @@
           <p:cNvPr id="4" name="日期占位符 3">
             <a:extLst>
               <a:ext uri="{FF2B5EF4-FFF2-40B4-BE49-F238E27FC236}">
-                <a16:creationId xmlns:a16="http://schemas.microsoft.com/office/drawing/2014/main" id="{BBC03B06-C8CE-83EA-530C-8BBE14E4C9EB}"/>
+                <a16:creationId xmlns:a16="http://schemas.microsoft.com/office/drawing/2014/main" id="{D7C7F037-F33A-7B37-12D9-7DCD5580C6E8}"/>
               </a:ext>
             </a:extLst>
           </p:cNvPr>
@@ -2902,7 +2902,7 @@
             </a:lvl1pPr>
           </a:lstStyle>
           <a:p>
-            <a:fld id="{C5506ED6-3FA1-4D3E-AA3E-DB710F6C042B}" type="datetimeFigureOut">
+            <a:fld id="{B5492F0F-8EB0-4DD4-AAEB-6057AFED3A92}" type="datetimeFigureOut">
               <a:rPr lang="zh-CN" altLang="en-US" smtClean="0"/>
               <a:t>2024/3/10</a:t>
             </a:fld>
@@ -2915,7 +2915,7 @@
           <p:cNvPr id="5" name="页脚占位符 4">
             <a:extLst>
               <a:ext uri="{FF2B5EF4-FFF2-40B4-BE49-F238E27FC236}">
-                <a16:creationId xmlns:a16="http://schemas.microsoft.com/office/drawing/2014/main" id="{9BE684BD-4F53-A7C8-E39E-383B8E7AF31E}"/>
+                <a16:creationId xmlns:a16="http://schemas.microsoft.com/office/drawing/2014/main" id="{F6E2569F-7102-64CA-726E-031E2C5AB097}"/>
               </a:ext>
             </a:extLst>
           </p:cNvPr>
@@ -2958,7 +2958,7 @@
           <p:cNvPr id="6" name="灯片编号占位符 5">
             <a:extLst>
               <a:ext uri="{FF2B5EF4-FFF2-40B4-BE49-F238E27FC236}">
-                <a16:creationId xmlns:a16="http://schemas.microsoft.com/office/drawing/2014/main" id="{F51A9AFC-7A43-6958-EF9B-6226BBB28B72}"/>
+                <a16:creationId xmlns:a16="http://schemas.microsoft.com/office/drawing/2014/main" id="{262BDDEC-3265-D58E-893F-A483FFE3C485}"/>
               </a:ext>
             </a:extLst>
           </p:cNvPr>
@@ -2992,7 +2992,7 @@
             </a:lvl1pPr>
           </a:lstStyle>
           <a:p>
-            <a:fld id="{BD9EB0DB-8AF1-4191-813C-F1F26B0C6EE2}" type="slidenum">
+            <a:fld id="{EF37230C-3AF2-4705-B70A-54527EA704A3}" type="slidenum">
               <a:rPr lang="zh-CN" altLang="en-US" smtClean="0"/>
               <a:t>‹#›</a:t>
             </a:fld>
@@ -3003,7 +3003,7 @@
     </p:spTree>
     <p:extLst>
       <p:ext uri="{BB962C8B-B14F-4D97-AF65-F5344CB8AC3E}">
-        <p14:creationId xmlns:p14="http://schemas.microsoft.com/office/powerpoint/2010/main" val="802666010"/>
+        <p14:creationId xmlns:p14="http://schemas.microsoft.com/office/powerpoint/2010/main" val="1431556430"/>
       </p:ext>
     </p:extLst>
   </p:cSld>
